--- a/docs-project-group18/group18_project_presentation.pptx
+++ b/docs-project-group18/group18_project_presentation.pptx
@@ -3654,7 +3654,7 @@
         </p:nvSpPr>
         <p:spPr>
           <a:xfrm>
-            <a:off x="742870" y="5858367"/>
+            <a:off x="742870" y="5826028"/>
             <a:ext cx="2924201" cy="269048"/>
           </a:xfrm>
           <a:prstGeom prst="rect">

--- a/docs-project-group18/group18_project_presentation.pptx
+++ b/docs-project-group18/group18_project_presentation.pptx
@@ -269,7 +269,7 @@
           <a:p>
             <a:fld id="{B7A3D4BF-45A6-40F4-B06A-A10A8AFE49D1}" type="datetimeFigureOut">
               <a:rPr lang="it-IT" smtClean="0"/>
-              <a:t>14/02/2025</a:t>
+              <a:t>17/02/25</a:t>
             </a:fld>
             <a:endParaRPr lang="it-IT"/>
           </a:p>
@@ -479,7 +479,7 @@
           <a:p>
             <a:fld id="{B7A3D4BF-45A6-40F4-B06A-A10A8AFE49D1}" type="datetimeFigureOut">
               <a:rPr lang="it-IT" smtClean="0"/>
-              <a:t>14/02/2025</a:t>
+              <a:t>17/02/25</a:t>
             </a:fld>
             <a:endParaRPr lang="it-IT"/>
           </a:p>
@@ -699,7 +699,7 @@
           <a:p>
             <a:fld id="{B7A3D4BF-45A6-40F4-B06A-A10A8AFE49D1}" type="datetimeFigureOut">
               <a:rPr lang="it-IT" smtClean="0"/>
-              <a:t>14/02/2025</a:t>
+              <a:t>17/02/25</a:t>
             </a:fld>
             <a:endParaRPr lang="it-IT"/>
           </a:p>
@@ -909,7 +909,7 @@
           <a:p>
             <a:fld id="{B7A3D4BF-45A6-40F4-B06A-A10A8AFE49D1}" type="datetimeFigureOut">
               <a:rPr lang="it-IT" smtClean="0"/>
-              <a:t>14/02/2025</a:t>
+              <a:t>17/02/25</a:t>
             </a:fld>
             <a:endParaRPr lang="it-IT"/>
           </a:p>
@@ -1196,7 +1196,7 @@
           <a:p>
             <a:fld id="{B7A3D4BF-45A6-40F4-B06A-A10A8AFE49D1}" type="datetimeFigureOut">
               <a:rPr lang="it-IT" smtClean="0"/>
-              <a:t>14/02/2025</a:t>
+              <a:t>17/02/25</a:t>
             </a:fld>
             <a:endParaRPr lang="it-IT"/>
           </a:p>
@@ -1473,7 +1473,7 @@
           <a:p>
             <a:fld id="{B7A3D4BF-45A6-40F4-B06A-A10A8AFE49D1}" type="datetimeFigureOut">
               <a:rPr lang="it-IT" smtClean="0"/>
-              <a:t>14/02/2025</a:t>
+              <a:t>17/02/25</a:t>
             </a:fld>
             <a:endParaRPr lang="it-IT"/>
           </a:p>
@@ -1897,7 +1897,7 @@
           <a:p>
             <a:fld id="{B7A3D4BF-45A6-40F4-B06A-A10A8AFE49D1}" type="datetimeFigureOut">
               <a:rPr lang="it-IT" smtClean="0"/>
-              <a:t>14/02/2025</a:t>
+              <a:t>17/02/25</a:t>
             </a:fld>
             <a:endParaRPr lang="it-IT"/>
           </a:p>
@@ -2050,7 +2050,7 @@
           <a:p>
             <a:fld id="{B7A3D4BF-45A6-40F4-B06A-A10A8AFE49D1}" type="datetimeFigureOut">
               <a:rPr lang="it-IT" smtClean="0"/>
-              <a:t>14/02/2025</a:t>
+              <a:t>17/02/25</a:t>
             </a:fld>
             <a:endParaRPr lang="it-IT"/>
           </a:p>
@@ -2175,7 +2175,7 @@
           <a:p>
             <a:fld id="{B7A3D4BF-45A6-40F4-B06A-A10A8AFE49D1}" type="datetimeFigureOut">
               <a:rPr lang="it-IT" smtClean="0"/>
-              <a:t>14/02/2025</a:t>
+              <a:t>17/02/25</a:t>
             </a:fld>
             <a:endParaRPr lang="it-IT"/>
           </a:p>
@@ -2498,7 +2498,7 @@
           <a:p>
             <a:fld id="{B7A3D4BF-45A6-40F4-B06A-A10A8AFE49D1}" type="datetimeFigureOut">
               <a:rPr lang="it-IT" smtClean="0"/>
-              <a:t>14/02/2025</a:t>
+              <a:t>17/02/25</a:t>
             </a:fld>
             <a:endParaRPr lang="it-IT"/>
           </a:p>
@@ -2798,7 +2798,7 @@
           <a:p>
             <a:fld id="{B7A3D4BF-45A6-40F4-B06A-A10A8AFE49D1}" type="datetimeFigureOut">
               <a:rPr lang="it-IT" smtClean="0"/>
-              <a:t>14/02/2025</a:t>
+              <a:t>17/02/25</a:t>
             </a:fld>
             <a:endParaRPr lang="it-IT"/>
           </a:p>
@@ -3056,7 +3056,7 @@
           <a:p>
             <a:fld id="{B7A3D4BF-45A6-40F4-B06A-A10A8AFE49D1}" type="datetimeFigureOut">
               <a:rPr lang="it-IT" smtClean="0"/>
-              <a:t>14/02/2025</a:t>
+              <a:t>17/02/25</a:t>
             </a:fld>
             <a:endParaRPr lang="it-IT"/>
           </a:p>
@@ -4519,7 +4519,7 @@
                 <a:latin typeface="Poppins" panose="00000500000000000000" pitchFamily="2" charset="0"/>
                 <a:cs typeface="Poppins" panose="00000500000000000000" pitchFamily="2" charset="0"/>
               </a:rPr>
-              <a:t>Successfully implemented </a:t>
+              <a:t>Successfully implemented basic </a:t>
             </a:r>
             <a:r>
               <a:rPr lang="en-US" sz="1300" b="1" dirty="0">
@@ -7347,8 +7347,8 @@
         </p:blipFill>
         <p:spPr bwMode="auto">
           <a:xfrm>
-            <a:off x="660887" y="4627525"/>
-            <a:ext cx="670600" cy="670600"/>
+            <a:off x="695849" y="4647084"/>
+            <a:ext cx="600673" cy="600673"/>
           </a:xfrm>
           <a:prstGeom prst="rect">
             <a:avLst/>
@@ -7377,7 +7377,7 @@
         </p:nvSpPr>
         <p:spPr>
           <a:xfrm>
-            <a:off x="807612" y="3924660"/>
+            <a:off x="734249" y="3905059"/>
             <a:ext cx="523875" cy="461665"/>
           </a:xfrm>
           <a:prstGeom prst="rect">
@@ -7398,6 +7398,7 @@
           </a:bodyPr>
           <a:lstStyle/>
           <a:p>
+            <a:pPr algn="ctr"/>
             <a:r>
               <a:rPr lang="it-IT" sz="1200" dirty="0"/>
               <a:t>RX</a:t>
@@ -7470,8 +7471,8 @@
         </p:blipFill>
         <p:spPr>
           <a:xfrm>
-            <a:off x="764274" y="5557810"/>
-            <a:ext cx="424763" cy="424763"/>
+            <a:off x="785586" y="5576669"/>
+            <a:ext cx="405904" cy="405904"/>
           </a:xfrm>
           <a:prstGeom prst="rect">
             <a:avLst/>
@@ -7850,7 +7851,7 @@
         </p:nvSpPr>
         <p:spPr>
           <a:xfrm>
-            <a:off x="1159865" y="2347657"/>
+            <a:off x="1090711" y="2344801"/>
             <a:ext cx="6017994" cy="446276"/>
           </a:xfrm>
           <a:prstGeom prst="rect">
@@ -7865,40 +7866,37 @@
           <a:lstStyle/>
           <a:p>
             <a:r>
-              <a:rPr lang="it-IT" sz="2300" dirty="0">
+              <a:rPr lang="it-IT" sz="2200" dirty="0">
                 <a:latin typeface="Poppins" panose="00000500000000000000" pitchFamily="2" charset="0"/>
                 <a:cs typeface="Poppins" panose="00000500000000000000" pitchFamily="2" charset="0"/>
               </a:rPr>
               <a:t>ARM Cortex-</a:t>
             </a:r>
             <a:r>
-              <a:rPr lang="it-IT" sz="2300" b="1" dirty="0">
+              <a:rPr lang="it-IT" sz="2200" b="1" dirty="0">
                 <a:latin typeface="Poppins" panose="00000500000000000000" pitchFamily="2" charset="0"/>
                 <a:cs typeface="Poppins" panose="00000500000000000000" pitchFamily="2" charset="0"/>
               </a:rPr>
               <a:t>M7</a:t>
             </a:r>
             <a:r>
-              <a:rPr lang="it-IT" sz="2300" dirty="0">
+              <a:rPr lang="it-IT" sz="2200" dirty="0">
                 <a:latin typeface="Poppins" panose="00000500000000000000" pitchFamily="2" charset="0"/>
                 <a:cs typeface="Poppins" panose="00000500000000000000" pitchFamily="2" charset="0"/>
               </a:rPr>
               <a:t> CPU 32-bit </a:t>
             </a:r>
             <a:r>
-              <a:rPr lang="it-IT" sz="2300" dirty="0" err="1">
+              <a:rPr lang="it-IT" sz="2200" dirty="0" err="1">
                 <a:latin typeface="Poppins" panose="00000500000000000000" pitchFamily="2" charset="0"/>
                 <a:cs typeface="Poppins" panose="00000500000000000000" pitchFamily="2" charset="0"/>
               </a:rPr>
               <a:t>architecture</a:t>
             </a:r>
-            <a:r>
-              <a:rPr lang="it-IT" sz="2300" dirty="0">
-                <a:latin typeface="Poppins" panose="00000500000000000000" pitchFamily="2" charset="0"/>
-                <a:cs typeface="Poppins" panose="00000500000000000000" pitchFamily="2" charset="0"/>
-              </a:rPr>
-              <a:t>.</a:t>
-            </a:r>
+            <a:endParaRPr lang="it-IT" sz="2200" dirty="0">
+              <a:latin typeface="Poppins" panose="00000500000000000000" pitchFamily="2" charset="0"/>
+              <a:cs typeface="Poppins" panose="00000500000000000000" pitchFamily="2" charset="0"/>
+            </a:endParaRPr>
           </a:p>
         </p:txBody>
       </p:sp>
@@ -7916,7 +7914,7 @@
         </p:nvSpPr>
         <p:spPr>
           <a:xfrm>
-            <a:off x="1159865" y="3364890"/>
+            <a:off x="1090711" y="3364890"/>
             <a:ext cx="6673850" cy="446276"/>
           </a:xfrm>
           <a:prstGeom prst="rect">
@@ -7931,25 +7929,25 @@
           <a:lstStyle/>
           <a:p>
             <a:r>
-              <a:rPr lang="it-IT" sz="2300" dirty="0">
+              <a:rPr lang="it-IT" sz="2200" dirty="0">
                 <a:latin typeface="Poppins" panose="00000500000000000000" pitchFamily="2" charset="0"/>
                 <a:cs typeface="Poppins" panose="00000500000000000000" pitchFamily="2" charset="0"/>
               </a:rPr>
               <a:t>Maximum </a:t>
             </a:r>
             <a:r>
-              <a:rPr lang="it-IT" sz="2300" b="1" dirty="0">
+              <a:rPr lang="it-IT" sz="2200" b="1" dirty="0">
                 <a:latin typeface="Poppins" panose="00000500000000000000" pitchFamily="2" charset="0"/>
                 <a:cs typeface="Poppins" panose="00000500000000000000" pitchFamily="2" charset="0"/>
               </a:rPr>
               <a:t>frequency</a:t>
             </a:r>
             <a:r>
-              <a:rPr lang="it-IT" sz="2300" dirty="0">
+              <a:rPr lang="it-IT" sz="2200" dirty="0">
                 <a:latin typeface="Poppins" panose="00000500000000000000" pitchFamily="2" charset="0"/>
                 <a:cs typeface="Poppins" panose="00000500000000000000" pitchFamily="2" charset="0"/>
               </a:rPr>
-              <a:t>: up to 320 MHz.</a:t>
+              <a:t>: up to 320 MHz</a:t>
             </a:r>
           </a:p>
         </p:txBody>
@@ -7968,7 +7966,7 @@
         </p:nvSpPr>
         <p:spPr>
           <a:xfrm>
-            <a:off x="1159865" y="4390822"/>
+            <a:off x="1090711" y="4390822"/>
             <a:ext cx="2882900" cy="446276"/>
           </a:xfrm>
           <a:prstGeom prst="rect">
@@ -7983,14 +7981,14 @@
           <a:lstStyle/>
           <a:p>
             <a:r>
-              <a:rPr lang="it-IT" sz="2300" b="1" dirty="0" err="1">
+              <a:rPr lang="it-IT" sz="2200" b="1" dirty="0" err="1">
                 <a:latin typeface="Poppins" panose="00000500000000000000" pitchFamily="2" charset="0"/>
                 <a:cs typeface="Poppins" panose="00000500000000000000" pitchFamily="2" charset="0"/>
               </a:rPr>
               <a:t>SoC</a:t>
             </a:r>
             <a:r>
-              <a:rPr lang="it-IT" sz="2300" b="1" dirty="0">
+              <a:rPr lang="it-IT" sz="2200" b="1" dirty="0">
                 <a:latin typeface="Poppins" panose="00000500000000000000" pitchFamily="2" charset="0"/>
                 <a:cs typeface="Poppins" panose="00000500000000000000" pitchFamily="2" charset="0"/>
               </a:rPr>
@@ -8013,8 +8011,8 @@
         </p:nvSpPr>
         <p:spPr>
           <a:xfrm>
-            <a:off x="1093536" y="5416754"/>
-            <a:ext cx="5779146" cy="446276"/>
+            <a:off x="1093536" y="5249328"/>
+            <a:ext cx="5572359" cy="769441"/>
           </a:xfrm>
           <a:prstGeom prst="rect">
             <a:avLst/>
@@ -8028,27 +8026,36 @@
           <a:lstStyle/>
           <a:p>
             <a:r>
-              <a:rPr lang="en-US" sz="2300" dirty="0">
+              <a:rPr lang="en-US" sz="2200" dirty="0">
                 <a:latin typeface="Poppins" panose="00000500000000000000" pitchFamily="2" charset="0"/>
                 <a:cs typeface="Poppins" panose="00000500000000000000" pitchFamily="2" charset="0"/>
               </a:rPr>
               <a:t>Designed for </a:t>
             </a:r>
             <a:r>
-              <a:rPr lang="en-US" sz="2300" b="1" dirty="0">
+              <a:rPr lang="en-US" sz="2200" b="1" dirty="0">
                 <a:latin typeface="Poppins" panose="00000500000000000000" pitchFamily="2" charset="0"/>
                 <a:cs typeface="Poppins" panose="00000500000000000000" pitchFamily="2" charset="0"/>
               </a:rPr>
               <a:t>low energy </a:t>
             </a:r>
             <a:r>
-              <a:rPr lang="en-US" sz="2300" dirty="0">
+              <a:rPr lang="en-US" sz="2200" dirty="0">
                 <a:latin typeface="Poppins" panose="00000500000000000000" pitchFamily="2" charset="0"/>
                 <a:cs typeface="Poppins" panose="00000500000000000000" pitchFamily="2" charset="0"/>
               </a:rPr>
               <a:t>consumption</a:t>
             </a:r>
-            <a:endParaRPr lang="it-IT" sz="2300" dirty="0">
+          </a:p>
+          <a:p>
+            <a:r>
+              <a:rPr lang="en-US" sz="2200" dirty="0">
+                <a:latin typeface="Poppins" panose="00000500000000000000" pitchFamily="2" charset="0"/>
+                <a:cs typeface="Poppins" panose="00000500000000000000" pitchFamily="2" charset="0"/>
+              </a:rPr>
+              <a:t>especially in automotive applications</a:t>
+            </a:r>
+            <a:endParaRPr lang="it-IT" sz="2200" dirty="0">
               <a:latin typeface="Poppins" panose="00000500000000000000" pitchFamily="2" charset="0"/>
               <a:cs typeface="Poppins" panose="00000500000000000000" pitchFamily="2" charset="0"/>
             </a:endParaRPr>
@@ -8503,7 +8510,7 @@
         </p:nvGrpSpPr>
         <p:grpSpPr>
           <a:xfrm>
-            <a:off x="5997285" y="1471918"/>
+            <a:off x="5865127" y="1249736"/>
             <a:ext cx="461743" cy="461743"/>
             <a:chOff x="0" y="0"/>
             <a:chExt cx="812800" cy="812800"/>
@@ -8634,7 +8641,7 @@
         </p:nvGrpSpPr>
         <p:grpSpPr>
           <a:xfrm>
-            <a:off x="5997285" y="5134977"/>
+            <a:off x="5865128" y="4936403"/>
             <a:ext cx="461743" cy="461743"/>
             <a:chOff x="0" y="0"/>
             <a:chExt cx="812800" cy="812800"/>
@@ -8765,7 +8772,7 @@
         </p:nvGrpSpPr>
         <p:grpSpPr>
           <a:xfrm>
-            <a:off x="5975518" y="2387935"/>
+            <a:off x="5865128" y="2177228"/>
             <a:ext cx="461743" cy="461743"/>
             <a:chOff x="0" y="0"/>
             <a:chExt cx="812800" cy="812800"/>
@@ -8891,7 +8898,7 @@
         </p:nvGrpSpPr>
         <p:grpSpPr>
           <a:xfrm>
-            <a:off x="590005" y="1371600"/>
+            <a:off x="541237" y="1174274"/>
             <a:ext cx="2057400" cy="2057400"/>
             <a:chOff x="0" y="0"/>
             <a:chExt cx="812800" cy="812800"/>
@@ -9004,7 +9011,7 @@
         </p:nvSpPr>
         <p:spPr>
           <a:xfrm rot="-5400000">
-            <a:off x="914281" y="3931047"/>
+            <a:off x="865513" y="3733721"/>
             <a:ext cx="3311352" cy="3429837"/>
           </a:xfrm>
           <a:custGeom>
@@ -9063,7 +9070,7 @@
         </p:nvSpPr>
         <p:spPr>
           <a:xfrm>
-            <a:off x="5586868" y="1556964"/>
+            <a:off x="5538100" y="1359638"/>
             <a:ext cx="0" cy="3955652"/>
           </a:xfrm>
           <a:prstGeom prst="line">
@@ -9094,7 +9101,7 @@
         </p:nvSpPr>
         <p:spPr>
           <a:xfrm>
-            <a:off x="1099942" y="1516562"/>
+            <a:off x="1051174" y="1319236"/>
             <a:ext cx="4362425" cy="1695144"/>
           </a:xfrm>
           <a:prstGeom prst="rect">
@@ -9297,8 +9304,8 @@
         </p:nvSpPr>
         <p:spPr>
           <a:xfrm>
-            <a:off x="5915585" y="1518202"/>
-            <a:ext cx="5221494" cy="923330"/>
+            <a:off x="5866817" y="1320876"/>
+            <a:ext cx="5272341" cy="369332"/>
           </a:xfrm>
           <a:prstGeom prst="rect">
             <a:avLst/>
@@ -9328,15 +9335,6 @@
               <a:t>: QEMU stable-8.2</a:t>
             </a:r>
           </a:p>
-          <a:p>
-            <a:r>
-              <a:rPr lang="it-IT" dirty="0"/>
-              <a:t> </a:t>
-            </a:r>
-          </a:p>
-          <a:p>
-            <a:endParaRPr lang="it-IT" dirty="0"/>
-          </a:p>
         </p:txBody>
       </p:sp>
       <p:sp>
@@ -9353,7 +9351,7 @@
         </p:nvSpPr>
         <p:spPr>
           <a:xfrm>
-            <a:off x="7378700" y="3415309"/>
+            <a:off x="7329932" y="3217983"/>
             <a:ext cx="45719" cy="369332"/>
           </a:xfrm>
           <a:prstGeom prst="rect">
@@ -9385,8 +9383,8 @@
         </p:nvSpPr>
         <p:spPr>
           <a:xfrm>
-            <a:off x="5915585" y="2441532"/>
-            <a:ext cx="5833732" cy="2585323"/>
+            <a:off x="5866817" y="2244206"/>
+            <a:ext cx="5833732" cy="2308324"/>
           </a:xfrm>
           <a:prstGeom prst="rect">
             <a:avLst/>
@@ -9400,8 +9398,12 @@
           <a:lstStyle/>
           <a:p>
             <a:r>
+              <a:rPr lang="it-IT" b="1" dirty="0"/>
+              <a:t>Code</a:t>
+            </a:r>
+            <a:r>
               <a:rPr lang="it-IT" dirty="0"/>
-              <a:t>Code </a:t>
+              <a:t> </a:t>
             </a:r>
             <a:r>
               <a:rPr lang="it-IT" dirty="0" err="1"/>
@@ -9486,13 +9488,6 @@
               <a:t>: CPU emulation, including Cortex-M7.</a:t>
             </a:r>
           </a:p>
-          <a:p>
-            <a:pPr marL="285750" indent="-285750">
-              <a:buFont typeface="Arial" panose="020B0604020202020204" pitchFamily="34" charset="0"/>
-              <a:buChar char="•"/>
-            </a:pPr>
-            <a:endParaRPr lang="it-IT" dirty="0"/>
-          </a:p>
         </p:txBody>
       </p:sp>
       <p:sp>
@@ -9509,7 +9504,7 @@
         </p:nvSpPr>
         <p:spPr>
           <a:xfrm>
-            <a:off x="5923766" y="5190749"/>
+            <a:off x="5874998" y="4993423"/>
             <a:ext cx="6096000" cy="369332"/>
           </a:xfrm>
           <a:prstGeom prst="rect">
@@ -9524,17 +9519,21 @@
           <a:lstStyle/>
           <a:p>
             <a:r>
-              <a:rPr lang="it-IT" dirty="0" err="1"/>
+              <a:rPr lang="it-IT" b="1" dirty="0" err="1"/>
               <a:t>Modifications</a:t>
-            </a:r>
-            <a:r>
-              <a:rPr lang="it-IT" dirty="0"/>
-              <a:t> :</a:t>
             </a:r>
             <a:r>
               <a:rPr lang="it-IT" b="1" dirty="0"/>
               <a:t> </a:t>
             </a:r>
+            <a:r>
+              <a:rPr lang="it-IT" dirty="0"/>
+              <a:t>:</a:t>
+            </a:r>
+            <a:r>
+              <a:rPr lang="it-IT" b="1" dirty="0"/>
+              <a:t> </a:t>
+            </a:r>
           </a:p>
         </p:txBody>
       </p:sp>
@@ -9552,8 +9551,8 @@
         </p:nvSpPr>
         <p:spPr>
           <a:xfrm>
-            <a:off x="6040573" y="5773995"/>
-            <a:ext cx="9140445" cy="646331"/>
+            <a:off x="5991805" y="5576669"/>
+            <a:ext cx="9140445" cy="369332"/>
           </a:xfrm>
           <a:prstGeom prst="rect">
             <a:avLst/>
@@ -9582,9 +9581,6 @@
               <a:rPr lang="it-IT" dirty="0" err="1"/>
               <a:t>Meson.build</a:t>
             </a:r>
-            <a:endParaRPr lang="it-IT" dirty="0"/>
-          </a:p>
-          <a:p>
             <a:endParaRPr lang="it-IT" dirty="0"/>
           </a:p>
         </p:txBody>
@@ -9639,7 +9635,7 @@
         </p:nvGrpSpPr>
         <p:grpSpPr>
           <a:xfrm>
-            <a:off x="590005" y="1371600"/>
+            <a:off x="529045" y="1249680"/>
             <a:ext cx="2057400" cy="2057400"/>
             <a:chOff x="0" y="0"/>
             <a:chExt cx="812800" cy="812800"/>
@@ -9740,7 +9736,7 @@
         </p:nvSpPr>
         <p:spPr>
           <a:xfrm rot="-5400000">
-            <a:off x="896423" y="3797697"/>
+            <a:off x="835463" y="3675777"/>
             <a:ext cx="3311352" cy="3429837"/>
           </a:xfrm>
           <a:custGeom>
@@ -9799,7 +9795,7 @@
         </p:nvSpPr>
         <p:spPr>
           <a:xfrm>
-            <a:off x="5586868" y="1556964"/>
+            <a:off x="5525908" y="1435044"/>
             <a:ext cx="0" cy="3955652"/>
           </a:xfrm>
           <a:prstGeom prst="line">
@@ -9830,7 +9826,7 @@
         </p:nvSpPr>
         <p:spPr>
           <a:xfrm>
-            <a:off x="1031562" y="1556964"/>
+            <a:off x="970602" y="1435044"/>
             <a:ext cx="4362425" cy="1695144"/>
           </a:xfrm>
           <a:prstGeom prst="rect">
@@ -10033,8 +10029,8 @@
         </p:nvSpPr>
         <p:spPr>
           <a:xfrm>
-            <a:off x="6372849" y="3057140"/>
-            <a:ext cx="5958963" cy="646331"/>
+            <a:off x="6367816" y="3359435"/>
+            <a:ext cx="5958963" cy="369332"/>
           </a:xfrm>
           <a:prstGeom prst="rect">
             <a:avLst/>
@@ -10052,9 +10048,6 @@
               <a:t>Supports transmission and reception of data.</a:t>
             </a:r>
           </a:p>
-          <a:p>
-            <a:endParaRPr lang="it-IT" dirty="0"/>
-          </a:p>
         </p:txBody>
       </p:sp>
       <p:sp>
@@ -10071,7 +10064,7 @@
         </p:nvSpPr>
         <p:spPr>
           <a:xfrm>
-            <a:off x="5784160" y="1557765"/>
+            <a:off x="5746158" y="1815953"/>
             <a:ext cx="656464" cy="615256"/>
           </a:xfrm>
           <a:prstGeom prst="mathMinus">
@@ -10132,8 +10125,8 @@
         </p:nvSpPr>
         <p:spPr>
           <a:xfrm>
-            <a:off x="6372849" y="1602160"/>
-            <a:ext cx="5707036" cy="923330"/>
+            <a:off x="6369654" y="1822140"/>
+            <a:ext cx="5707036" cy="646331"/>
           </a:xfrm>
           <a:prstGeom prst="rect">
             <a:avLst/>
@@ -10151,9 +10144,6 @@
               <a:t>UART (Universal Asynchronous Receiver-Transmitter) facilitates serial communication.</a:t>
             </a:r>
           </a:p>
-          <a:p>
-            <a:endParaRPr lang="it-IT" dirty="0"/>
-          </a:p>
         </p:txBody>
       </p:sp>
       <p:sp>
@@ -10170,8 +10160,8 @@
         </p:nvSpPr>
         <p:spPr>
           <a:xfrm>
-            <a:off x="6405818" y="2294770"/>
-            <a:ext cx="5708874" cy="923330"/>
+            <a:off x="6367816" y="2576376"/>
+            <a:ext cx="5708874" cy="646331"/>
           </a:xfrm>
           <a:prstGeom prst="rect">
             <a:avLst/>
@@ -10209,9 +10199,6 @@
               <a:t>.</a:t>
             </a:r>
           </a:p>
-          <a:p>
-            <a:endParaRPr lang="it-IT" dirty="0"/>
-          </a:p>
         </p:txBody>
       </p:sp>
       <p:sp>
@@ -10228,7 +10215,7 @@
         </p:nvSpPr>
         <p:spPr>
           <a:xfrm>
-            <a:off x="5784160" y="2318188"/>
+            <a:off x="5746158" y="2576376"/>
             <a:ext cx="656464" cy="615256"/>
           </a:xfrm>
           <a:prstGeom prst="mathMinus">
@@ -10289,7 +10276,7 @@
         </p:nvSpPr>
         <p:spPr>
           <a:xfrm>
-            <a:off x="5784160" y="2978285"/>
+            <a:off x="5746158" y="3236473"/>
             <a:ext cx="656464" cy="615256"/>
           </a:xfrm>
           <a:prstGeom prst="mathMinus">
@@ -10350,7 +10337,7 @@
         </p:nvSpPr>
         <p:spPr>
           <a:xfrm>
-            <a:off x="6021913" y="4608573"/>
+            <a:off x="5983911" y="4866761"/>
             <a:ext cx="1112857" cy="588817"/>
           </a:xfrm>
           <a:prstGeom prst="rect">
@@ -10392,7 +10379,7 @@
                 <a:latin typeface="Poppins" panose="00000500000000000000" pitchFamily="2" charset="0"/>
                 <a:cs typeface="Poppins" panose="00000500000000000000" pitchFamily="2" charset="0"/>
               </a:rPr>
-              <a:t>UART_DATA</a:t>
+              <a:t>DATA</a:t>
             </a:r>
             <a:endParaRPr lang="it-IT" sz="1100" dirty="0">
               <a:solidFill>
@@ -10418,7 +10405,7 @@
         </p:nvSpPr>
         <p:spPr>
           <a:xfrm>
-            <a:off x="7585256" y="4615649"/>
+            <a:off x="7547254" y="4873837"/>
             <a:ext cx="1112858" cy="588817"/>
           </a:xfrm>
           <a:prstGeom prst="rect">
@@ -10460,7 +10447,7 @@
                 <a:latin typeface="Poppins" panose="00000500000000000000" pitchFamily="2" charset="0"/>
                 <a:cs typeface="Poppins" panose="00000500000000000000" pitchFamily="2" charset="0"/>
               </a:rPr>
-              <a:t>UART_CTRL</a:t>
+              <a:t>CTRL</a:t>
             </a:r>
             <a:endParaRPr lang="it-IT" sz="1100" dirty="0">
               <a:solidFill>
@@ -10486,7 +10473,7 @@
         </p:nvSpPr>
         <p:spPr>
           <a:xfrm>
-            <a:off x="9133158" y="4588202"/>
+            <a:off x="9095156" y="4846390"/>
             <a:ext cx="1112858" cy="588817"/>
           </a:xfrm>
           <a:prstGeom prst="rect">
@@ -10528,7 +10515,7 @@
                 <a:latin typeface="Poppins" panose="00000500000000000000" pitchFamily="2" charset="0"/>
                 <a:cs typeface="Poppins" panose="00000500000000000000" pitchFamily="2" charset="0"/>
               </a:rPr>
-              <a:t>UART_STAT</a:t>
+              <a:t>STAT</a:t>
             </a:r>
             <a:endParaRPr lang="it-IT" sz="1100" dirty="0">
               <a:solidFill>
@@ -10554,7 +10541,7 @@
         </p:nvSpPr>
         <p:spPr>
           <a:xfrm>
-            <a:off x="10681060" y="4601869"/>
+            <a:off x="10643058" y="4860057"/>
             <a:ext cx="1112858" cy="588817"/>
           </a:xfrm>
           <a:prstGeom prst="rect">
@@ -10596,7 +10583,7 @@
                 <a:latin typeface="Poppins" panose="00000500000000000000" pitchFamily="2" charset="0"/>
                 <a:cs typeface="Poppins" panose="00000500000000000000" pitchFamily="2" charset="0"/>
               </a:rPr>
-              <a:t>UART_BAUD</a:t>
+              <a:t>BAUD</a:t>
             </a:r>
             <a:endParaRPr lang="it-IT" sz="1100" dirty="0">
               <a:solidFill>
@@ -10622,7 +10609,7 @@
         </p:nvSpPr>
         <p:spPr>
           <a:xfrm>
-            <a:off x="5756792" y="4037509"/>
+            <a:off x="5718790" y="4295697"/>
             <a:ext cx="2447925" cy="369332"/>
           </a:xfrm>
           <a:prstGeom prst="rect">
@@ -10657,8 +10644,8 @@
         </p:nvSpPr>
         <p:spPr>
           <a:xfrm>
-            <a:off x="5756792" y="1112043"/>
-            <a:ext cx="3037158" cy="646331"/>
+            <a:off x="5718790" y="1370231"/>
+            <a:ext cx="3037158" cy="369332"/>
           </a:xfrm>
           <a:prstGeom prst="rect">
             <a:avLst/>
@@ -10687,9 +10674,6 @@
               <a:rPr lang="it-IT" b="1" dirty="0"/>
               <a:t>:</a:t>
             </a:r>
-          </a:p>
-          <a:p>
-            <a:endParaRPr lang="it-IT" dirty="0"/>
           </a:p>
         </p:txBody>
       </p:sp>
@@ -10735,107 +10719,6 @@
           <a:chExt cx="0" cy="0"/>
         </a:xfrm>
       </p:grpSpPr>
-      <p:grpSp>
-        <p:nvGrpSpPr>
-          <p:cNvPr id="2" name="Group 2"/>
-          <p:cNvGrpSpPr/>
-          <p:nvPr/>
-        </p:nvGrpSpPr>
-        <p:grpSpPr>
-          <a:xfrm>
-            <a:off x="590005" y="1371600"/>
-            <a:ext cx="2057400" cy="2057400"/>
-            <a:chOff x="0" y="0"/>
-            <a:chExt cx="812800" cy="812800"/>
-          </a:xfrm>
-        </p:grpSpPr>
-        <p:sp>
-          <p:nvSpPr>
-            <p:cNvPr id="3" name="Freeform 3"/>
-            <p:cNvSpPr/>
-            <p:nvPr/>
-          </p:nvSpPr>
-          <p:spPr>
-            <a:xfrm>
-              <a:off x="0" y="0"/>
-              <a:ext cx="812800" cy="812800"/>
-            </a:xfrm>
-            <a:custGeom>
-              <a:avLst/>
-              <a:gdLst/>
-              <a:ahLst/>
-              <a:cxnLst/>
-              <a:rect l="l" t="t" r="r" b="b"/>
-              <a:pathLst>
-                <a:path w="812800" h="812800">
-                  <a:moveTo>
-                    <a:pt x="406400" y="0"/>
-                  </a:moveTo>
-                  <a:cubicBezTo>
-                    <a:pt x="181951" y="0"/>
-                    <a:pt x="0" y="181951"/>
-                    <a:pt x="0" y="406400"/>
-                  </a:cubicBezTo>
-                  <a:cubicBezTo>
-                    <a:pt x="0" y="630849"/>
-                    <a:pt x="181951" y="812800"/>
-                    <a:pt x="406400" y="812800"/>
-                  </a:cubicBezTo>
-                  <a:cubicBezTo>
-                    <a:pt x="630849" y="812800"/>
-                    <a:pt x="812800" y="630849"/>
-                    <a:pt x="812800" y="406400"/>
-                  </a:cubicBezTo>
-                  <a:cubicBezTo>
-                    <a:pt x="812800" y="181951"/>
-                    <a:pt x="630849" y="0"/>
-                    <a:pt x="406400" y="0"/>
-                  </a:cubicBezTo>
-                  <a:close/>
-                </a:path>
-              </a:pathLst>
-            </a:custGeom>
-            <a:solidFill>
-              <a:srgbClr val="FFDE59"/>
-            </a:solidFill>
-          </p:spPr>
-          <p:txBody>
-            <a:bodyPr/>
-            <a:lstStyle/>
-            <a:p>
-              <a:endParaRPr lang="it-IT" sz="1200"/>
-            </a:p>
-          </p:txBody>
-        </p:sp>
-        <p:sp>
-          <p:nvSpPr>
-            <p:cNvPr id="4" name="TextBox 4"/>
-            <p:cNvSpPr txBox="1"/>
-            <p:nvPr/>
-          </p:nvSpPr>
-          <p:spPr>
-            <a:xfrm>
-              <a:off x="76200" y="47625"/>
-              <a:ext cx="660400" cy="688975"/>
-            </a:xfrm>
-            <a:prstGeom prst="rect">
-              <a:avLst/>
-            </a:prstGeom>
-          </p:spPr>
-          <p:txBody>
-            <a:bodyPr lIns="33867" tIns="33867" rIns="33867" bIns="33867" rtlCol="0" anchor="ctr"/>
-            <a:lstStyle/>
-            <a:p>
-              <a:pPr algn="ctr">
-                <a:lnSpc>
-                  <a:spcPts val="1558"/>
-                </a:lnSpc>
-              </a:pPr>
-              <a:endParaRPr sz="1200"/>
-            </a:p>
-          </p:txBody>
-        </p:sp>
-      </p:grpSp>
       <p:sp>
         <p:nvSpPr>
           <p:cNvPr id="5" name="Freeform 5"/>
@@ -10844,7 +10727,7 @@
         </p:nvSpPr>
         <p:spPr>
           <a:xfrm rot="-5400000">
-            <a:off x="896423" y="3797697"/>
+            <a:off x="767916" y="3651393"/>
             <a:ext cx="3311352" cy="3429837"/>
           </a:xfrm>
           <a:custGeom>
@@ -10903,7 +10786,7 @@
         </p:nvSpPr>
         <p:spPr>
           <a:xfrm>
-            <a:off x="5586868" y="1556964"/>
+            <a:off x="5329854" y="1421866"/>
             <a:ext cx="0" cy="3955652"/>
           </a:xfrm>
           <a:prstGeom prst="line">
@@ -10923,72 +10806,6 @@
           <a:lstStyle/>
           <a:p>
             <a:endParaRPr lang="it-IT" sz="1200"/>
-          </a:p>
-        </p:txBody>
-      </p:sp>
-      <p:sp>
-        <p:nvSpPr>
-          <p:cNvPr id="8" name="TextBox 8"/>
-          <p:cNvSpPr txBox="1"/>
-          <p:nvPr/>
-        </p:nvSpPr>
-        <p:spPr>
-          <a:xfrm>
-            <a:off x="1031562" y="1556964"/>
-            <a:ext cx="4362425" cy="1695144"/>
-          </a:xfrm>
-          <a:prstGeom prst="rect">
-            <a:avLst/>
-          </a:prstGeom>
-        </p:spPr>
-        <p:txBody>
-          <a:bodyPr wrap="square" lIns="0" tIns="0" rIns="0" bIns="0" rtlCol="0" anchor="t">
-            <a:spAutoFit/>
-          </a:bodyPr>
-          <a:lstStyle/>
-          <a:p>
-            <a:pPr>
-              <a:lnSpc>
-                <a:spcPts val="6666"/>
-              </a:lnSpc>
-              <a:spcBef>
-                <a:spcPct val="0"/>
-              </a:spcBef>
-            </a:pPr>
-            <a:r>
-              <a:rPr lang="en-US" sz="5334" b="1" dirty="0">
-                <a:solidFill>
-                  <a:srgbClr val="000000"/>
-                </a:solidFill>
-                <a:latin typeface="Poppins Bold"/>
-                <a:ea typeface="Poppins Bold"/>
-                <a:cs typeface="Poppins Bold"/>
-                <a:sym typeface="Poppins Bold"/>
-              </a:rPr>
-              <a:t>QEMU CAN</a:t>
-            </a:r>
-          </a:p>
-          <a:p>
-            <a:pPr>
-              <a:lnSpc>
-                <a:spcPts val="6666"/>
-              </a:lnSpc>
-              <a:spcBef>
-                <a:spcPct val="0"/>
-              </a:spcBef>
-            </a:pPr>
-            <a:r>
-              <a:rPr lang="en-US" sz="5334" b="1" dirty="0">
-                <a:solidFill>
-                  <a:srgbClr val="000000"/>
-                </a:solidFill>
-                <a:latin typeface="Poppins Bold"/>
-                <a:ea typeface="Poppins Bold"/>
-                <a:cs typeface="Poppins Bold"/>
-                <a:sym typeface="Poppins Bold"/>
-              </a:rPr>
-              <a:t>Emulation</a:t>
-            </a:r>
           </a:p>
         </p:txBody>
       </p:sp>
@@ -11137,8 +10954,8 @@
         </p:nvSpPr>
         <p:spPr>
           <a:xfrm>
-            <a:off x="6096000" y="1534233"/>
-            <a:ext cx="6096000" cy="1200329"/>
+            <a:off x="5967493" y="1225296"/>
+            <a:ext cx="6096000" cy="646331"/>
           </a:xfrm>
           <a:prstGeom prst="rect">
             <a:avLst/>
@@ -11159,13 +10976,6 @@
               <a:rPr lang="en-US" dirty="0"/>
               <a:t> (Controller Area Network) is widely used in automotive applications.</a:t>
             </a:r>
-            <a:br>
-              <a:rPr lang="en-US" dirty="0"/>
-            </a:br>
-            <a:br>
-              <a:rPr lang="en-US" dirty="0"/>
-            </a:br>
-            <a:endParaRPr lang="en-US" dirty="0"/>
           </a:p>
         </p:txBody>
       </p:sp>
@@ -11183,8 +10993,8 @@
         </p:nvSpPr>
         <p:spPr>
           <a:xfrm>
-            <a:off x="6096000" y="3972159"/>
-            <a:ext cx="6096000" cy="1477328"/>
+            <a:off x="5967493" y="2867659"/>
+            <a:ext cx="6096000" cy="369332"/>
           </a:xfrm>
           <a:prstGeom prst="rect">
             <a:avLst/>
@@ -11201,26 +11011,6 @@
               <a:rPr lang="en-US" dirty="0"/>
               <a:t>Defines transmission and reception of frames.</a:t>
             </a:r>
-            <a:br>
-              <a:rPr lang="en-US" dirty="0"/>
-            </a:br>
-            <a:endParaRPr lang="en-US" dirty="0"/>
-          </a:p>
-          <a:p>
-            <a:r>
-              <a:rPr lang="en-US" dirty="0"/>
-              <a:t>Includes basic control and status registers.</a:t>
-            </a:r>
-            <a:br>
-              <a:rPr lang="en-US" dirty="0"/>
-            </a:br>
-            <a:endParaRPr lang="en-US" dirty="0"/>
-          </a:p>
-          <a:p>
-            <a:r>
-              <a:rPr lang="en-US" dirty="0"/>
-              <a:t>Partial implementation to allow future expansions.</a:t>
-            </a:r>
           </a:p>
         </p:txBody>
       </p:sp>
@@ -11238,7 +11028,7 @@
         </p:nvSpPr>
         <p:spPr>
           <a:xfrm>
-            <a:off x="5642662" y="1487835"/>
+            <a:off x="5514156" y="1237077"/>
             <a:ext cx="509129" cy="456622"/>
           </a:xfrm>
           <a:prstGeom prst="mathMinus">
@@ -11299,7 +11089,7 @@
         </p:nvSpPr>
         <p:spPr>
           <a:xfrm>
-            <a:off x="5642663" y="2364135"/>
+            <a:off x="5514157" y="2113377"/>
             <a:ext cx="509129" cy="456622"/>
           </a:xfrm>
           <a:prstGeom prst="mathMinus">
@@ -11360,7 +11150,7 @@
         </p:nvSpPr>
         <p:spPr>
           <a:xfrm>
-            <a:off x="5642663" y="3910592"/>
+            <a:off x="5514156" y="2818751"/>
             <a:ext cx="509129" cy="456622"/>
           </a:xfrm>
           <a:prstGeom prst="mathMinus">
@@ -11409,10 +11199,69 @@
       </p:sp>
       <p:sp>
         <p:nvSpPr>
-          <p:cNvPr id="21" name="Segno di sottrazione 20">
-            <a:extLst>
-              <a:ext uri="{FF2B5EF4-FFF2-40B4-BE49-F238E27FC236}">
-                <a16:creationId xmlns:a16="http://schemas.microsoft.com/office/drawing/2014/main" id="{D1D8CC16-CE38-E816-BE64-E9755DF44FD7}"/>
+          <p:cNvPr id="7" name="CasellaDiTesto 6">
+            <a:extLst>
+              <a:ext uri="{FF2B5EF4-FFF2-40B4-BE49-F238E27FC236}">
+                <a16:creationId xmlns:a16="http://schemas.microsoft.com/office/drawing/2014/main" id="{BA7DF8C2-FBEF-CFAB-C59D-EBFF5252CB27}"/>
+              </a:ext>
+            </a:extLst>
+          </p:cNvPr>
+          <p:cNvSpPr txBox="1"/>
+          <p:nvPr/>
+        </p:nvSpPr>
+        <p:spPr>
+          <a:xfrm>
+            <a:off x="5967493" y="2081896"/>
+            <a:ext cx="5900928" cy="646331"/>
+          </a:xfrm>
+          <a:prstGeom prst="rect">
+            <a:avLst/>
+          </a:prstGeom>
+          <a:noFill/>
+        </p:spPr>
+        <p:txBody>
+          <a:bodyPr wrap="square" rtlCol="0">
+            <a:spAutoFit/>
+          </a:bodyPr>
+          <a:lstStyle/>
+          <a:p>
+            <a:r>
+              <a:rPr lang="en-US" dirty="0"/>
+              <a:t>Implemented </a:t>
+            </a:r>
+            <a:r>
+              <a:rPr lang="en-US" b="1" dirty="0" err="1"/>
+              <a:t>FlexCAN</a:t>
+            </a:r>
+            <a:r>
+              <a:rPr lang="en-US" b="1" dirty="0"/>
+              <a:t> controller</a:t>
+            </a:r>
+            <a:r>
+              <a:rPr lang="en-US" dirty="0"/>
+              <a:t> in </a:t>
+            </a:r>
+            <a:r>
+              <a:rPr lang="en-US" b="1" dirty="0" err="1"/>
+              <a:t>hw</a:t>
+            </a:r>
+            <a:r>
+              <a:rPr lang="en-US" b="1" dirty="0"/>
+              <a:t>/net/can/</a:t>
+            </a:r>
+            <a:r>
+              <a:rPr lang="en-US" dirty="0"/>
+              <a:t> to support data transmission.</a:t>
+            </a:r>
+          </a:p>
+        </p:txBody>
+      </p:sp>
+      <p:sp>
+        <p:nvSpPr>
+          <p:cNvPr id="25" name="Rettangolo 24">
+            <a:extLst>
+              <a:ext uri="{FF2B5EF4-FFF2-40B4-BE49-F238E27FC236}">
+                <a16:creationId xmlns:a16="http://schemas.microsoft.com/office/drawing/2014/main" id="{DBD85236-435D-D052-84EA-5D8A137F60F7}"/>
               </a:ext>
             </a:extLst>
           </p:cNvPr>
@@ -11421,27 +11270,18 @@
         </p:nvSpPr>
         <p:spPr>
           <a:xfrm>
-            <a:off x="5643346" y="4467342"/>
-            <a:ext cx="509129" cy="456622"/>
-          </a:xfrm>
-          <a:prstGeom prst="mathMinus">
+            <a:off x="5967493" y="4204701"/>
+            <a:ext cx="1112857" cy="588817"/>
+          </a:xfrm>
+          <a:prstGeom prst="rect">
             <a:avLst/>
           </a:prstGeom>
           <a:solidFill>
             <a:srgbClr val="70AD47"/>
           </a:solidFill>
           <a:ln>
-            <a:solidFill>
-              <a:srgbClr val="70AD47"/>
-            </a:solidFill>
+            <a:noFill/>
           </a:ln>
-          <a:effectLst>
-            <a:outerShdw blurRad="63500" sx="102000" sy="102000" algn="ctr" rotWithShape="0">
-              <a:prstClr val="black">
-                <a:alpha val="40000"/>
-              </a:prstClr>
-            </a:outerShdw>
-          </a:effectLst>
         </p:spPr>
         <p:style>
           <a:lnRef idx="2">
@@ -11464,16 +11304,32 @@
           <a:lstStyle/>
           <a:p>
             <a:pPr algn="ctr"/>
-            <a:endParaRPr lang="it-IT"/>
-          </a:p>
-        </p:txBody>
-      </p:sp>
-      <p:sp>
-        <p:nvSpPr>
-          <p:cNvPr id="22" name="Segno di sottrazione 21">
-            <a:extLst>
-              <a:ext uri="{FF2B5EF4-FFF2-40B4-BE49-F238E27FC236}">
-                <a16:creationId xmlns:a16="http://schemas.microsoft.com/office/drawing/2014/main" id="{2B3C7F06-519B-83BA-E002-1164FC4A479C}"/>
+            <a:r>
+              <a:rPr lang="it-IT" sz="1100" b="1" dirty="0">
+                <a:solidFill>
+                  <a:schemeClr val="tx1"/>
+                </a:solidFill>
+                <a:latin typeface="Poppins" panose="00000500000000000000" pitchFamily="2" charset="0"/>
+                <a:cs typeface="Poppins" panose="00000500000000000000" pitchFamily="2" charset="0"/>
+              </a:rPr>
+              <a:t>DATA</a:t>
+            </a:r>
+            <a:endParaRPr lang="it-IT" sz="1100" dirty="0">
+              <a:solidFill>
+                <a:schemeClr val="tx1"/>
+              </a:solidFill>
+              <a:latin typeface="Poppins" panose="00000500000000000000" pitchFamily="2" charset="0"/>
+              <a:cs typeface="Poppins" panose="00000500000000000000" pitchFamily="2" charset="0"/>
+            </a:endParaRPr>
+          </a:p>
+        </p:txBody>
+      </p:sp>
+      <p:sp>
+        <p:nvSpPr>
+          <p:cNvPr id="26" name="Rettangolo 25">
+            <a:extLst>
+              <a:ext uri="{FF2B5EF4-FFF2-40B4-BE49-F238E27FC236}">
+                <a16:creationId xmlns:a16="http://schemas.microsoft.com/office/drawing/2014/main" id="{5293A283-3645-15B5-0318-F7927B8B5F8C}"/>
               </a:ext>
             </a:extLst>
           </p:cNvPr>
@@ -11482,27 +11338,18 @@
         </p:nvSpPr>
         <p:spPr>
           <a:xfrm>
-            <a:off x="5642662" y="4992865"/>
-            <a:ext cx="509129" cy="456622"/>
-          </a:xfrm>
-          <a:prstGeom prst="mathMinus">
+            <a:off x="7502275" y="4213869"/>
+            <a:ext cx="1112858" cy="575037"/>
+          </a:xfrm>
+          <a:prstGeom prst="rect">
             <a:avLst/>
           </a:prstGeom>
           <a:solidFill>
             <a:srgbClr val="70AD47"/>
           </a:solidFill>
           <a:ln>
-            <a:solidFill>
-              <a:srgbClr val="70AD47"/>
-            </a:solidFill>
+            <a:noFill/>
           </a:ln>
-          <a:effectLst>
-            <a:outerShdw blurRad="63500" sx="102000" sy="102000" algn="ctr" rotWithShape="0">
-              <a:prstClr val="black">
-                <a:alpha val="40000"/>
-              </a:prstClr>
-            </a:outerShdw>
-          </a:effectLst>
         </p:spPr>
         <p:style>
           <a:lnRef idx="2">
@@ -11525,16 +11372,168 @@
           <a:lstStyle/>
           <a:p>
             <a:pPr algn="ctr"/>
-            <a:endParaRPr lang="it-IT"/>
-          </a:p>
-        </p:txBody>
-      </p:sp>
-      <p:sp>
-        <p:nvSpPr>
-          <p:cNvPr id="7" name="CasellaDiTesto 6">
-            <a:extLst>
-              <a:ext uri="{FF2B5EF4-FFF2-40B4-BE49-F238E27FC236}">
-                <a16:creationId xmlns:a16="http://schemas.microsoft.com/office/drawing/2014/main" id="{BA7DF8C2-FBEF-CFAB-C59D-EBFF5252CB27}"/>
+            <a:r>
+              <a:rPr lang="it-IT" sz="1100" b="1" dirty="0">
+                <a:solidFill>
+                  <a:schemeClr val="tx1"/>
+                </a:solidFill>
+                <a:latin typeface="Poppins" panose="00000500000000000000" pitchFamily="2" charset="0"/>
+                <a:cs typeface="Poppins" panose="00000500000000000000" pitchFamily="2" charset="0"/>
+              </a:rPr>
+              <a:t>MCR</a:t>
+            </a:r>
+            <a:endParaRPr lang="it-IT" sz="1100" dirty="0">
+              <a:solidFill>
+                <a:schemeClr val="tx1"/>
+              </a:solidFill>
+              <a:latin typeface="Poppins" panose="00000500000000000000" pitchFamily="2" charset="0"/>
+              <a:cs typeface="Poppins" panose="00000500000000000000" pitchFamily="2" charset="0"/>
+            </a:endParaRPr>
+          </a:p>
+        </p:txBody>
+      </p:sp>
+      <p:sp>
+        <p:nvSpPr>
+          <p:cNvPr id="27" name="Rettangolo 26">
+            <a:extLst>
+              <a:ext uri="{FF2B5EF4-FFF2-40B4-BE49-F238E27FC236}">
+                <a16:creationId xmlns:a16="http://schemas.microsoft.com/office/drawing/2014/main" id="{691A67AA-73D8-D535-3970-ADA2514F833A}"/>
+              </a:ext>
+            </a:extLst>
+          </p:cNvPr>
+          <p:cNvSpPr/>
+          <p:nvPr/>
+        </p:nvSpPr>
+        <p:spPr>
+          <a:xfrm>
+            <a:off x="9001730" y="4192376"/>
+            <a:ext cx="1112858" cy="588817"/>
+          </a:xfrm>
+          <a:prstGeom prst="rect">
+            <a:avLst/>
+          </a:prstGeom>
+          <a:solidFill>
+            <a:srgbClr val="70AD47"/>
+          </a:solidFill>
+          <a:ln>
+            <a:noFill/>
+          </a:ln>
+        </p:spPr>
+        <p:style>
+          <a:lnRef idx="2">
+            <a:schemeClr val="accent1">
+              <a:shade val="15000"/>
+            </a:schemeClr>
+          </a:lnRef>
+          <a:fillRef idx="1">
+            <a:schemeClr val="accent1"/>
+          </a:fillRef>
+          <a:effectRef idx="0">
+            <a:schemeClr val="accent1"/>
+          </a:effectRef>
+          <a:fontRef idx="minor">
+            <a:schemeClr val="lt1"/>
+          </a:fontRef>
+        </p:style>
+        <p:txBody>
+          <a:bodyPr rtlCol="0" anchor="ctr"/>
+          <a:lstStyle/>
+          <a:p>
+            <a:pPr algn="ctr"/>
+            <a:r>
+              <a:rPr lang="it-IT" sz="1100" b="1" dirty="0">
+                <a:solidFill>
+                  <a:schemeClr val="tx1"/>
+                </a:solidFill>
+                <a:latin typeface="Poppins" panose="00000500000000000000" pitchFamily="2" charset="0"/>
+                <a:cs typeface="Poppins" panose="00000500000000000000" pitchFamily="2" charset="0"/>
+              </a:rPr>
+              <a:t>IFLAG1</a:t>
+            </a:r>
+            <a:endParaRPr lang="it-IT" sz="1100" dirty="0">
+              <a:solidFill>
+                <a:schemeClr val="tx1"/>
+              </a:solidFill>
+              <a:latin typeface="Poppins" panose="00000500000000000000" pitchFamily="2" charset="0"/>
+              <a:cs typeface="Poppins" panose="00000500000000000000" pitchFamily="2" charset="0"/>
+            </a:endParaRPr>
+          </a:p>
+        </p:txBody>
+      </p:sp>
+      <p:sp>
+        <p:nvSpPr>
+          <p:cNvPr id="28" name="Rettangolo 27">
+            <a:extLst>
+              <a:ext uri="{FF2B5EF4-FFF2-40B4-BE49-F238E27FC236}">
+                <a16:creationId xmlns:a16="http://schemas.microsoft.com/office/drawing/2014/main" id="{DEA0E1BB-F484-1BCB-0F5C-125BB1FE0301}"/>
+              </a:ext>
+            </a:extLst>
+          </p:cNvPr>
+          <p:cNvSpPr/>
+          <p:nvPr/>
+        </p:nvSpPr>
+        <p:spPr>
+          <a:xfrm>
+            <a:off x="10536513" y="4192376"/>
+            <a:ext cx="1112858" cy="588817"/>
+          </a:xfrm>
+          <a:prstGeom prst="rect">
+            <a:avLst/>
+          </a:prstGeom>
+          <a:solidFill>
+            <a:srgbClr val="70AD47"/>
+          </a:solidFill>
+          <a:ln>
+            <a:noFill/>
+          </a:ln>
+        </p:spPr>
+        <p:style>
+          <a:lnRef idx="2">
+            <a:schemeClr val="accent1">
+              <a:shade val="15000"/>
+            </a:schemeClr>
+          </a:lnRef>
+          <a:fillRef idx="1">
+            <a:schemeClr val="accent1"/>
+          </a:fillRef>
+          <a:effectRef idx="0">
+            <a:schemeClr val="accent1"/>
+          </a:effectRef>
+          <a:fontRef idx="minor">
+            <a:schemeClr val="lt1"/>
+          </a:fontRef>
+        </p:style>
+        <p:txBody>
+          <a:bodyPr rtlCol="0" anchor="ctr"/>
+          <a:lstStyle/>
+          <a:p>
+            <a:pPr algn="ctr"/>
+            <a:r>
+              <a:rPr lang="it-IT" sz="1100" b="1" dirty="0">
+                <a:solidFill>
+                  <a:schemeClr val="tx1"/>
+                </a:solidFill>
+                <a:latin typeface="Poppins" panose="00000500000000000000" pitchFamily="2" charset="0"/>
+                <a:cs typeface="Poppins" panose="00000500000000000000" pitchFamily="2" charset="0"/>
+              </a:rPr>
+              <a:t>IMASK1</a:t>
+            </a:r>
+            <a:endParaRPr lang="it-IT" sz="1100" dirty="0">
+              <a:solidFill>
+                <a:schemeClr val="tx1"/>
+              </a:solidFill>
+              <a:latin typeface="Poppins" panose="00000500000000000000" pitchFamily="2" charset="0"/>
+              <a:cs typeface="Poppins" panose="00000500000000000000" pitchFamily="2" charset="0"/>
+            </a:endParaRPr>
+          </a:p>
+        </p:txBody>
+      </p:sp>
+      <p:sp>
+        <p:nvSpPr>
+          <p:cNvPr id="29" name="CasellaDiTesto 28">
+            <a:extLst>
+              <a:ext uri="{FF2B5EF4-FFF2-40B4-BE49-F238E27FC236}">
+                <a16:creationId xmlns:a16="http://schemas.microsoft.com/office/drawing/2014/main" id="{458A0B3E-BA16-5393-A6D8-B541397B44B7}"/>
               </a:ext>
             </a:extLst>
           </p:cNvPr>
@@ -11543,8 +11542,8 @@
         </p:nvSpPr>
         <p:spPr>
           <a:xfrm>
-            <a:off x="6096000" y="2424440"/>
-            <a:ext cx="5900928" cy="923330"/>
+            <a:off x="5487217" y="3674117"/>
+            <a:ext cx="2447925" cy="369332"/>
           </a:xfrm>
           <a:prstGeom prst="rect">
             <a:avLst/>
@@ -11558,36 +11557,336 @@
           <a:lstStyle/>
           <a:p>
             <a:r>
-              <a:rPr lang="en-US" dirty="0"/>
-              <a:t>Implemented </a:t>
-            </a:r>
-            <a:r>
-              <a:rPr lang="en-US" b="1" dirty="0" err="1"/>
-              <a:t>FlexCAN</a:t>
-            </a:r>
-            <a:r>
-              <a:rPr lang="en-US" b="1" dirty="0"/>
-              <a:t> controller</a:t>
-            </a:r>
-            <a:r>
-              <a:rPr lang="en-US" dirty="0"/>
-              <a:t> in </a:t>
-            </a:r>
-            <a:r>
-              <a:rPr lang="en-US" b="1" dirty="0" err="1"/>
-              <a:t>hw</a:t>
-            </a:r>
-            <a:r>
-              <a:rPr lang="en-US" b="1" dirty="0"/>
-              <a:t>/net/can/</a:t>
-            </a:r>
-            <a:r>
-              <a:rPr lang="en-US" dirty="0"/>
-              <a:t> to support data transmission.</a:t>
-            </a:r>
-          </a:p>
-          <a:p>
-            <a:endParaRPr lang="it-IT" dirty="0"/>
+              <a:rPr lang="it-IT" b="1" dirty="0"/>
+              <a:t>REGISTERS:</a:t>
+            </a:r>
+          </a:p>
+        </p:txBody>
+      </p:sp>
+      <p:sp>
+        <p:nvSpPr>
+          <p:cNvPr id="30" name="Rettangolo 29">
+            <a:extLst>
+              <a:ext uri="{FF2B5EF4-FFF2-40B4-BE49-F238E27FC236}">
+                <a16:creationId xmlns:a16="http://schemas.microsoft.com/office/drawing/2014/main" id="{C175F4F5-895E-1ED4-D1FE-1AEF5AE8A92E}"/>
+              </a:ext>
+            </a:extLst>
+          </p:cNvPr>
+          <p:cNvSpPr/>
+          <p:nvPr/>
+        </p:nvSpPr>
+        <p:spPr>
+          <a:xfrm>
+            <a:off x="7497062" y="5020327"/>
+            <a:ext cx="1112858" cy="588817"/>
+          </a:xfrm>
+          <a:prstGeom prst="rect">
+            <a:avLst/>
+          </a:prstGeom>
+          <a:solidFill>
+            <a:srgbClr val="70AD47"/>
+          </a:solidFill>
+          <a:ln>
+            <a:noFill/>
+          </a:ln>
+        </p:spPr>
+        <p:style>
+          <a:lnRef idx="2">
+            <a:schemeClr val="accent1">
+              <a:shade val="15000"/>
+            </a:schemeClr>
+          </a:lnRef>
+          <a:fillRef idx="1">
+            <a:schemeClr val="accent1"/>
+          </a:fillRef>
+          <a:effectRef idx="0">
+            <a:schemeClr val="accent1"/>
+          </a:effectRef>
+          <a:fontRef idx="minor">
+            <a:schemeClr val="lt1"/>
+          </a:fontRef>
+        </p:style>
+        <p:txBody>
+          <a:bodyPr rtlCol="0" anchor="ctr"/>
+          <a:lstStyle/>
+          <a:p>
+            <a:pPr algn="ctr"/>
+            <a:r>
+              <a:rPr lang="it-IT" sz="1100" b="1" dirty="0">
+                <a:solidFill>
+                  <a:schemeClr val="tx1"/>
+                </a:solidFill>
+                <a:latin typeface="Poppins" panose="00000500000000000000" pitchFamily="2" charset="0"/>
+                <a:cs typeface="Poppins" panose="00000500000000000000" pitchFamily="2" charset="0"/>
+              </a:rPr>
+              <a:t>ESR1</a:t>
+            </a:r>
+            <a:endParaRPr lang="it-IT" sz="1100" dirty="0">
+              <a:solidFill>
+                <a:schemeClr val="tx1"/>
+              </a:solidFill>
+              <a:latin typeface="Poppins" panose="00000500000000000000" pitchFamily="2" charset="0"/>
+              <a:cs typeface="Poppins" panose="00000500000000000000" pitchFamily="2" charset="0"/>
+            </a:endParaRPr>
+          </a:p>
+        </p:txBody>
+      </p:sp>
+      <p:sp>
+        <p:nvSpPr>
+          <p:cNvPr id="31" name="Rettangolo 30">
+            <a:extLst>
+              <a:ext uri="{FF2B5EF4-FFF2-40B4-BE49-F238E27FC236}">
+                <a16:creationId xmlns:a16="http://schemas.microsoft.com/office/drawing/2014/main" id="{3F8CA1DA-CBE9-C885-F6DF-E3D17A96FDD0}"/>
+              </a:ext>
+            </a:extLst>
+          </p:cNvPr>
+          <p:cNvSpPr/>
+          <p:nvPr/>
+        </p:nvSpPr>
+        <p:spPr>
+          <a:xfrm>
+            <a:off x="9001730" y="5020327"/>
+            <a:ext cx="1112858" cy="588817"/>
+          </a:xfrm>
+          <a:prstGeom prst="rect">
+            <a:avLst/>
+          </a:prstGeom>
+          <a:solidFill>
+            <a:srgbClr val="70AD47"/>
+          </a:solidFill>
+          <a:ln>
+            <a:noFill/>
+          </a:ln>
+        </p:spPr>
+        <p:style>
+          <a:lnRef idx="2">
+            <a:schemeClr val="accent1">
+              <a:shade val="15000"/>
+            </a:schemeClr>
+          </a:lnRef>
+          <a:fillRef idx="1">
+            <a:schemeClr val="accent1"/>
+          </a:fillRef>
+          <a:effectRef idx="0">
+            <a:schemeClr val="accent1"/>
+          </a:effectRef>
+          <a:fontRef idx="minor">
+            <a:schemeClr val="lt1"/>
+          </a:fontRef>
+        </p:style>
+        <p:txBody>
+          <a:bodyPr rtlCol="0" anchor="ctr"/>
+          <a:lstStyle/>
+          <a:p>
+            <a:pPr algn="ctr"/>
+            <a:r>
+              <a:rPr lang="it-IT" sz="1100" b="1" dirty="0">
+                <a:solidFill>
+                  <a:schemeClr val="tx1"/>
+                </a:solidFill>
+                <a:latin typeface="Poppins" panose="00000500000000000000" pitchFamily="2" charset="0"/>
+                <a:cs typeface="Poppins" panose="00000500000000000000" pitchFamily="2" charset="0"/>
+              </a:rPr>
+              <a:t>CTRL1</a:t>
+            </a:r>
+            <a:endParaRPr lang="it-IT" sz="1100" dirty="0">
+              <a:solidFill>
+                <a:schemeClr val="tx1"/>
+              </a:solidFill>
+              <a:latin typeface="Poppins" panose="00000500000000000000" pitchFamily="2" charset="0"/>
+              <a:cs typeface="Poppins" panose="00000500000000000000" pitchFamily="2" charset="0"/>
+            </a:endParaRPr>
+          </a:p>
+        </p:txBody>
+      </p:sp>
+      <p:grpSp>
+        <p:nvGrpSpPr>
+          <p:cNvPr id="32" name="Group 2">
+            <a:extLst>
+              <a:ext uri="{FF2B5EF4-FFF2-40B4-BE49-F238E27FC236}">
+                <a16:creationId xmlns:a16="http://schemas.microsoft.com/office/drawing/2014/main" id="{6B097CFF-65D2-AD75-8EA0-5340A8FADE43}"/>
+              </a:ext>
+            </a:extLst>
+          </p:cNvPr>
+          <p:cNvGrpSpPr/>
+          <p:nvPr/>
+        </p:nvGrpSpPr>
+        <p:grpSpPr>
+          <a:xfrm>
+            <a:off x="529045" y="1249680"/>
+            <a:ext cx="2057400" cy="2057400"/>
+            <a:chOff x="0" y="0"/>
+            <a:chExt cx="812800" cy="812800"/>
+          </a:xfrm>
+        </p:grpSpPr>
+        <p:sp>
+          <p:nvSpPr>
+            <p:cNvPr id="33" name="Freeform 3">
+              <a:extLst>
+                <a:ext uri="{FF2B5EF4-FFF2-40B4-BE49-F238E27FC236}">
+                  <a16:creationId xmlns:a16="http://schemas.microsoft.com/office/drawing/2014/main" id="{2DAC2957-9166-1312-D2C4-ACA2E0D9030D}"/>
+                </a:ext>
+              </a:extLst>
+            </p:cNvPr>
+            <p:cNvSpPr/>
+            <p:nvPr/>
+          </p:nvSpPr>
+          <p:spPr>
+            <a:xfrm>
+              <a:off x="0" y="0"/>
+              <a:ext cx="812800" cy="812800"/>
+            </a:xfrm>
+            <a:custGeom>
+              <a:avLst/>
+              <a:gdLst/>
+              <a:ahLst/>
+              <a:cxnLst/>
+              <a:rect l="l" t="t" r="r" b="b"/>
+              <a:pathLst>
+                <a:path w="812800" h="812800">
+                  <a:moveTo>
+                    <a:pt x="406400" y="0"/>
+                  </a:moveTo>
+                  <a:cubicBezTo>
+                    <a:pt x="181951" y="0"/>
+                    <a:pt x="0" y="181951"/>
+                    <a:pt x="0" y="406400"/>
+                  </a:cubicBezTo>
+                  <a:cubicBezTo>
+                    <a:pt x="0" y="630849"/>
+                    <a:pt x="181951" y="812800"/>
+                    <a:pt x="406400" y="812800"/>
+                  </a:cubicBezTo>
+                  <a:cubicBezTo>
+                    <a:pt x="630849" y="812800"/>
+                    <a:pt x="812800" y="630849"/>
+                    <a:pt x="812800" y="406400"/>
+                  </a:cubicBezTo>
+                  <a:cubicBezTo>
+                    <a:pt x="812800" y="181951"/>
+                    <a:pt x="630849" y="0"/>
+                    <a:pt x="406400" y="0"/>
+                  </a:cubicBezTo>
+                  <a:close/>
+                </a:path>
+              </a:pathLst>
+            </a:custGeom>
+            <a:solidFill>
+              <a:srgbClr val="FFDE59"/>
+            </a:solidFill>
+          </p:spPr>
+          <p:txBody>
+            <a:bodyPr/>
+            <a:lstStyle/>
+            <a:p>
+              <a:endParaRPr lang="it-IT" sz="1200"/>
+            </a:p>
+          </p:txBody>
+        </p:sp>
+        <p:sp>
+          <p:nvSpPr>
+            <p:cNvPr id="34" name="TextBox 4">
+              <a:extLst>
+                <a:ext uri="{FF2B5EF4-FFF2-40B4-BE49-F238E27FC236}">
+                  <a16:creationId xmlns:a16="http://schemas.microsoft.com/office/drawing/2014/main" id="{48E0810C-3A15-961B-B7D0-FEC1E72D56B3}"/>
+                </a:ext>
+              </a:extLst>
+            </p:cNvPr>
+            <p:cNvSpPr txBox="1"/>
+            <p:nvPr/>
+          </p:nvSpPr>
+          <p:spPr>
+            <a:xfrm>
+              <a:off x="76200" y="47625"/>
+              <a:ext cx="660400" cy="688975"/>
+            </a:xfrm>
+            <a:prstGeom prst="rect">
+              <a:avLst/>
+            </a:prstGeom>
+          </p:spPr>
+          <p:txBody>
+            <a:bodyPr lIns="33867" tIns="33867" rIns="33867" bIns="33867" rtlCol="0" anchor="ctr"/>
+            <a:lstStyle/>
+            <a:p>
+              <a:pPr algn="ctr">
+                <a:lnSpc>
+                  <a:spcPts val="1558"/>
+                </a:lnSpc>
+              </a:pPr>
+              <a:endParaRPr sz="1200"/>
+            </a:p>
+          </p:txBody>
+        </p:sp>
+      </p:grpSp>
+      <p:sp>
+        <p:nvSpPr>
+          <p:cNvPr id="35" name="TextBox 8">
+            <a:extLst>
+              <a:ext uri="{FF2B5EF4-FFF2-40B4-BE49-F238E27FC236}">
+                <a16:creationId xmlns:a16="http://schemas.microsoft.com/office/drawing/2014/main" id="{87A83BCC-C2F6-F56E-C1A9-7B7D7D9EA5F8}"/>
+              </a:ext>
+            </a:extLst>
+          </p:cNvPr>
+          <p:cNvSpPr txBox="1"/>
+          <p:nvPr/>
+        </p:nvSpPr>
+        <p:spPr>
+          <a:xfrm>
+            <a:off x="970602" y="1435044"/>
+            <a:ext cx="4362425" cy="1695144"/>
+          </a:xfrm>
+          <a:prstGeom prst="rect">
+            <a:avLst/>
+          </a:prstGeom>
+        </p:spPr>
+        <p:txBody>
+          <a:bodyPr wrap="square" lIns="0" tIns="0" rIns="0" bIns="0" rtlCol="0" anchor="t">
+            <a:spAutoFit/>
+          </a:bodyPr>
+          <a:lstStyle/>
+          <a:p>
+            <a:pPr>
+              <a:lnSpc>
+                <a:spcPts val="6666"/>
+              </a:lnSpc>
+              <a:spcBef>
+                <a:spcPct val="0"/>
+              </a:spcBef>
+            </a:pPr>
+            <a:r>
+              <a:rPr lang="en-US" sz="5334" b="1" dirty="0">
+                <a:solidFill>
+                  <a:srgbClr val="000000"/>
+                </a:solidFill>
+                <a:latin typeface="Poppins Bold"/>
+                <a:ea typeface="Poppins Bold"/>
+                <a:cs typeface="Poppins Bold"/>
+                <a:sym typeface="Poppins Bold"/>
+              </a:rPr>
+              <a:t>QEMU CAN</a:t>
+            </a:r>
+          </a:p>
+          <a:p>
+            <a:pPr>
+              <a:lnSpc>
+                <a:spcPts val="6666"/>
+              </a:lnSpc>
+              <a:spcBef>
+                <a:spcPct val="0"/>
+              </a:spcBef>
+            </a:pPr>
+            <a:r>
+              <a:rPr lang="en-US" sz="5334" b="1" dirty="0">
+                <a:solidFill>
+                  <a:srgbClr val="000000"/>
+                </a:solidFill>
+                <a:latin typeface="Poppins Bold"/>
+                <a:ea typeface="Poppins Bold"/>
+                <a:cs typeface="Poppins Bold"/>
+                <a:sym typeface="Poppins Bold"/>
+              </a:rPr>
+              <a:t>Emulation</a:t>
+            </a:r>
           </a:p>
         </p:txBody>
       </p:sp>
@@ -11601,14 +11900,14 @@
   <p:clrMapOvr>
     <a:masterClrMapping/>
   </p:clrMapOvr>
-  <mc:AlternateContent xmlns:mc="http://schemas.openxmlformats.org/markup-compatibility/2006" xmlns:p159="http://schemas.microsoft.com/office/powerpoint/2015/09/main">
-    <mc:Choice Requires="p159">
-      <p:transition xmlns:p14="http://schemas.microsoft.com/office/powerpoint/2010/main" spd="slow" p14:dur="2000">
-        <p159:morph option="byObject"/>
+  <mc:AlternateContent xmlns:mc="http://schemas.openxmlformats.org/markup-compatibility/2006" xmlns:p14="http://schemas.microsoft.com/office/powerpoint/2010/main">
+    <mc:Choice Requires="p14">
+      <p:transition spd="med" p14:dur="700">
+        <p:fade/>
       </p:transition>
     </mc:Choice>
     <mc:Fallback xmlns="">
-      <p:transition spd="slow">
+      <p:transition spd="med">
         <p:fade/>
       </p:transition>
     </mc:Fallback>
@@ -13298,7 +13597,7 @@
         </p:nvSpPr>
         <p:spPr>
           <a:xfrm>
-            <a:off x="7582251" y="4176283"/>
+            <a:off x="7582251" y="4231147"/>
             <a:ext cx="3378607" cy="1508105"/>
           </a:xfrm>
           <a:prstGeom prst="rect">
@@ -13311,10 +13610,6 @@
           </a:bodyPr>
           <a:lstStyle/>
           <a:p>
-            <a:pPr marL="285750" indent="-285750">
-              <a:buFont typeface="Arial" panose="020B0604020202020204" pitchFamily="34" charset="0"/>
-              <a:buChar char="•"/>
-            </a:pPr>
             <a:r>
               <a:rPr lang="en-US" sz="1400" b="1" dirty="0" err="1">
                 <a:latin typeface="Poppins" panose="00000500000000000000" pitchFamily="2" charset="0"/>
@@ -13539,8 +13834,8 @@
         </p:nvSpPr>
         <p:spPr>
           <a:xfrm>
-            <a:off x="8708906" y="1650133"/>
-            <a:ext cx="2892959" cy="1077218"/>
+            <a:off x="8820804" y="1730116"/>
+            <a:ext cx="2645914" cy="1246495"/>
           </a:xfrm>
           <a:prstGeom prst="rect">
             <a:avLst/>
@@ -13552,63 +13847,59 @@
           </a:bodyPr>
           <a:lstStyle/>
           <a:p>
+            <a:r>
+              <a:rPr lang="en-US" sz="1350" b="1" dirty="0">
+                <a:latin typeface="Poppins" panose="00000500000000000000" pitchFamily="2" charset="0"/>
+                <a:cs typeface="Poppins" panose="00000500000000000000" pitchFamily="2" charset="0"/>
+              </a:rPr>
+              <a:t>Compilation &amp; Configuration Issues:</a:t>
+            </a:r>
+            <a:br>
+              <a:rPr lang="en-US" sz="1350" b="1" dirty="0">
+                <a:latin typeface="Poppins" panose="00000500000000000000" pitchFamily="2" charset="0"/>
+                <a:cs typeface="Poppins" panose="00000500000000000000" pitchFamily="2" charset="0"/>
+              </a:rPr>
+            </a:br>
+            <a:endParaRPr lang="en-US" sz="1350" b="1" dirty="0">
+              <a:latin typeface="Poppins" panose="00000500000000000000" pitchFamily="2" charset="0"/>
+              <a:cs typeface="Poppins" panose="00000500000000000000" pitchFamily="2" charset="0"/>
+            </a:endParaRPr>
+          </a:p>
+          <a:p>
             <a:pPr marL="285750" indent="-285750">
               <a:buFont typeface="Arial" panose="020B0604020202020204" pitchFamily="34" charset="0"/>
               <a:buChar char="•"/>
             </a:pPr>
             <a:r>
-              <a:rPr lang="en-US" sz="1400" b="1" dirty="0">
-                <a:latin typeface="Poppins" panose="00000500000000000000" pitchFamily="2" charset="0"/>
-                <a:cs typeface="Poppins" panose="00000500000000000000" pitchFamily="2" charset="0"/>
-              </a:rPr>
-              <a:t>Compilation &amp; Configuration Issues:</a:t>
-            </a:r>
-            <a:br>
-              <a:rPr lang="en-US" sz="1400" b="1" dirty="0">
-                <a:latin typeface="Poppins" panose="00000500000000000000" pitchFamily="2" charset="0"/>
-                <a:cs typeface="Poppins" panose="00000500000000000000" pitchFamily="2" charset="0"/>
-              </a:rPr>
-            </a:br>
-            <a:endParaRPr lang="en-US" sz="1400" b="1" dirty="0">
-              <a:latin typeface="Poppins" panose="00000500000000000000" pitchFamily="2" charset="0"/>
-              <a:cs typeface="Poppins" panose="00000500000000000000" pitchFamily="2" charset="0"/>
-            </a:endParaRPr>
-          </a:p>
-          <a:p>
-            <a:pPr marL="285750" indent="-285750">
-              <a:buFont typeface="Arial" panose="020B0604020202020204" pitchFamily="34" charset="0"/>
-              <a:buChar char="•"/>
-            </a:pPr>
-            <a:r>
-              <a:rPr lang="en-US" sz="1400" dirty="0">
+              <a:rPr lang="en-US" sz="1350" dirty="0">
                 <a:latin typeface="Poppins" panose="00000500000000000000" pitchFamily="2" charset="0"/>
                 <a:cs typeface="Poppins" panose="00000500000000000000" pitchFamily="2" charset="0"/>
               </a:rPr>
               <a:t>Fixed </a:t>
             </a:r>
             <a:r>
-              <a:rPr lang="en-US" sz="1400" b="1" dirty="0" err="1">
+              <a:rPr lang="en-US" sz="1350" b="1" dirty="0" err="1">
                 <a:latin typeface="Poppins" panose="00000500000000000000" pitchFamily="2" charset="0"/>
                 <a:cs typeface="Poppins" panose="00000500000000000000" pitchFamily="2" charset="0"/>
               </a:rPr>
               <a:t>Kconfig</a:t>
             </a:r>
             <a:r>
-              <a:rPr lang="en-US" sz="1400" b="1" dirty="0">
+              <a:rPr lang="en-US" sz="1350" b="1" dirty="0">
                 <a:latin typeface="Poppins" panose="00000500000000000000" pitchFamily="2" charset="0"/>
                 <a:cs typeface="Poppins" panose="00000500000000000000" pitchFamily="2" charset="0"/>
               </a:rPr>
               <a:t> &amp; </a:t>
             </a:r>
             <a:r>
-              <a:rPr lang="en-US" sz="1400" b="1" dirty="0" err="1">
+              <a:rPr lang="en-US" sz="1350" b="1" dirty="0" err="1">
                 <a:latin typeface="Poppins" panose="00000500000000000000" pitchFamily="2" charset="0"/>
                 <a:cs typeface="Poppins" panose="00000500000000000000" pitchFamily="2" charset="0"/>
               </a:rPr>
               <a:t>meson.build</a:t>
             </a:r>
             <a:r>
-              <a:rPr lang="en-US" sz="1400" dirty="0">
+              <a:rPr lang="en-US" sz="1350" dirty="0">
                 <a:latin typeface="Poppins" panose="00000500000000000000" pitchFamily="2" charset="0"/>
                 <a:cs typeface="Poppins" panose="00000500000000000000" pitchFamily="2" charset="0"/>
               </a:rPr>
@@ -13833,7 +14124,7 @@
         </p:nvSpPr>
         <p:spPr>
           <a:xfrm>
-            <a:off x="5649902" y="1638393"/>
+            <a:off x="5695136" y="1527186"/>
             <a:ext cx="2673741" cy="1077218"/>
           </a:xfrm>
           <a:prstGeom prst="rect">
@@ -13846,10 +14137,6 @@
           </a:bodyPr>
           <a:lstStyle/>
           <a:p>
-            <a:pPr marL="285750" indent="-285750">
-              <a:buFont typeface="Arial" panose="020B0604020202020204" pitchFamily="34" charset="0"/>
-              <a:buChar char="•"/>
-            </a:pPr>
             <a:r>
               <a:rPr lang="en-US" sz="1400" b="1" dirty="0">
                 <a:latin typeface="Poppins" panose="00000500000000000000" pitchFamily="2" charset="0"/>
@@ -13925,7 +14212,7 @@
         </p:nvSpPr>
         <p:spPr>
           <a:xfrm>
-            <a:off x="2963994" y="4031209"/>
+            <a:off x="3063327" y="3974054"/>
             <a:ext cx="3558081" cy="1508105"/>
           </a:xfrm>
           <a:prstGeom prst="rect">
@@ -13938,10 +14225,6 @@
           </a:bodyPr>
           <a:lstStyle/>
           <a:p>
-            <a:pPr marL="285750" indent="-285750">
-              <a:buFont typeface="Arial" panose="020B0604020202020204" pitchFamily="34" charset="0"/>
-              <a:buChar char="•"/>
-            </a:pPr>
             <a:r>
               <a:rPr lang="it-IT" sz="1400" b="1" dirty="0" err="1">
                 <a:latin typeface="Poppins" panose="00000500000000000000" pitchFamily="2" charset="0"/>
@@ -14267,8 +14550,8 @@
         </p:nvSpPr>
         <p:spPr>
           <a:xfrm>
-            <a:off x="2550463" y="1804425"/>
-            <a:ext cx="2854182" cy="633763"/>
+            <a:off x="2659134" y="1905085"/>
+            <a:ext cx="2737647" cy="633763"/>
           </a:xfrm>
           <a:prstGeom prst="rect">
             <a:avLst/>
@@ -14280,15 +14563,13 @@
           </a:bodyPr>
           <a:lstStyle/>
           <a:p>
-            <a:pPr marL="285750" indent="-285750">
+            <a:pPr>
               <a:lnSpc>
                 <a:spcPts val="2623"/>
               </a:lnSpc>
               <a:spcBef>
                 <a:spcPct val="0"/>
               </a:spcBef>
-              <a:buFont typeface="Arial" panose="020B0604020202020204" pitchFamily="34" charset="0"/>
-              <a:buChar char="•"/>
             </a:pPr>
             <a:r>
               <a:rPr lang="it-IT" sz="1400" b="1" dirty="0" err="1">
